--- a/presentation/SmartQuora.pptx
+++ b/presentation/SmartQuora.pptx
@@ -1548,6 +1548,14 @@
           <a:bodyPr/>
           <a:lstStyle/>
           <a:p>
+            <a:r>
+              <a:rPr lang="en-US" baseline="0" dirty="0" smtClean="0"/>
+              <a:t>Just as a traditional ledger is a book of transactions maintained by an organization which contains all its debt and credits, a Blockchain is a digital ledger on a peer-to-peer network built in such a way that you can write transaction entries into it or read from it. You cannot update the transactions once it is written. Additionally, each transaction is signed by a cryptographic private key that only the owner should know. Hence, once the transaction is written the party who initiated the transaction cannot repudiate it. Also before the transaction is finalized, it has to be validated by a 51% of the nodes in the network. Once the consensus is reached the block containing the transaction is </a:t>
+            </a:r>
+            <a:r>
+              <a:rPr lang="en-US" baseline="0" smtClean="0"/>
+              <a:t>added to the chain.</a:t>
+            </a:r>
             <a:endParaRPr lang="en-US" dirty="0"/>
           </a:p>
         </p:txBody>
@@ -15723,7 +15731,7 @@
           <p:cNvPr id="161" name="Group 160">
             <a:extLst>
               <a:ext uri="{FF2B5EF4-FFF2-40B4-BE49-F238E27FC236}">
-                <a16:creationId xmlns="" xmlns:a16="http://schemas.microsoft.com/office/drawing/2014/main" id="{3DD70216-CC22-456A-B6B3-0535197E0C44}"/>
+                <a16:creationId xmlns:a16="http://schemas.microsoft.com/office/drawing/2014/main" xmlns="" id="{3DD70216-CC22-456A-B6B3-0535197E0C44}"/>
               </a:ext>
             </a:extLst>
           </p:cNvPr>
@@ -15743,7 +15751,7 @@
             <p:cNvPr id="162" name="Freeform 2438">
               <a:extLst>
                 <a:ext uri="{FF2B5EF4-FFF2-40B4-BE49-F238E27FC236}">
-                  <a16:creationId xmlns="" xmlns:a16="http://schemas.microsoft.com/office/drawing/2014/main" id="{02D16A14-8A86-4CB6-B5EB-82F6666902A4}"/>
+                  <a16:creationId xmlns:a16="http://schemas.microsoft.com/office/drawing/2014/main" xmlns="" id="{02D16A14-8A86-4CB6-B5EB-82F6666902A4}"/>
                 </a:ext>
               </a:extLst>
             </p:cNvPr>
@@ -16103,7 +16111,7 @@
             <p:cNvPr id="163" name="Freeform 2439">
               <a:extLst>
                 <a:ext uri="{FF2B5EF4-FFF2-40B4-BE49-F238E27FC236}">
-                  <a16:creationId xmlns="" xmlns:a16="http://schemas.microsoft.com/office/drawing/2014/main" id="{03B5345E-C90C-49FD-845D-B299A7F373C9}"/>
+                  <a16:creationId xmlns:a16="http://schemas.microsoft.com/office/drawing/2014/main" xmlns="" id="{03B5345E-C90C-49FD-845D-B299A7F373C9}"/>
                 </a:ext>
               </a:extLst>
             </p:cNvPr>
@@ -16447,7 +16455,7 @@
             <p:cNvPr id="164" name="Freeform 2440">
               <a:extLst>
                 <a:ext uri="{FF2B5EF4-FFF2-40B4-BE49-F238E27FC236}">
-                  <a16:creationId xmlns="" xmlns:a16="http://schemas.microsoft.com/office/drawing/2014/main" id="{35957DE2-1F5A-4CAE-B7C0-7534F3450B41}"/>
+                  <a16:creationId xmlns:a16="http://schemas.microsoft.com/office/drawing/2014/main" xmlns="" id="{35957DE2-1F5A-4CAE-B7C0-7534F3450B41}"/>
                 </a:ext>
               </a:extLst>
             </p:cNvPr>
@@ -16839,7 +16847,7 @@
             <p:cNvPr id="165" name="Freeform 2441">
               <a:extLst>
                 <a:ext uri="{FF2B5EF4-FFF2-40B4-BE49-F238E27FC236}">
-                  <a16:creationId xmlns="" xmlns:a16="http://schemas.microsoft.com/office/drawing/2014/main" id="{AA3E2DD5-F22F-47D2-A656-6C0BEC5B73C8}"/>
+                  <a16:creationId xmlns:a16="http://schemas.microsoft.com/office/drawing/2014/main" xmlns="" id="{AA3E2DD5-F22F-47D2-A656-6C0BEC5B73C8}"/>
                 </a:ext>
               </a:extLst>
             </p:cNvPr>
@@ -17191,7 +17199,7 @@
             <p:cNvPr id="166" name="Freeform 2442">
               <a:extLst>
                 <a:ext uri="{FF2B5EF4-FFF2-40B4-BE49-F238E27FC236}">
-                  <a16:creationId xmlns="" xmlns:a16="http://schemas.microsoft.com/office/drawing/2014/main" id="{00AF495C-2850-4842-BD33-79D6442B7B86}"/>
+                  <a16:creationId xmlns:a16="http://schemas.microsoft.com/office/drawing/2014/main" xmlns="" id="{00AF495C-2850-4842-BD33-79D6442B7B86}"/>
                 </a:ext>
               </a:extLst>
             </p:cNvPr>
@@ -17568,7 +17576,7 @@
           <p:cNvPr id="167" name="TextBox 166">
             <a:extLst>
               <a:ext uri="{FF2B5EF4-FFF2-40B4-BE49-F238E27FC236}">
-                <a16:creationId xmlns="" xmlns:a16="http://schemas.microsoft.com/office/drawing/2014/main" id="{A6C6C307-A941-4938-8CBA-B572BC35937F}"/>
+                <a16:creationId xmlns:a16="http://schemas.microsoft.com/office/drawing/2014/main" xmlns="" id="{A6C6C307-A941-4938-8CBA-B572BC35937F}"/>
               </a:ext>
             </a:extLst>
           </p:cNvPr>
@@ -17627,7 +17635,7 @@
           <p:cNvPr id="168" name="TextBox 167">
             <a:extLst>
               <a:ext uri="{FF2B5EF4-FFF2-40B4-BE49-F238E27FC236}">
-                <a16:creationId xmlns="" xmlns:a16="http://schemas.microsoft.com/office/drawing/2014/main" id="{B0C299BE-47FA-4EBC-85A2-C0B6E3ECAC51}"/>
+                <a16:creationId xmlns:a16="http://schemas.microsoft.com/office/drawing/2014/main" xmlns="" id="{B0C299BE-47FA-4EBC-85A2-C0B6E3ECAC51}"/>
               </a:ext>
             </a:extLst>
           </p:cNvPr>
@@ -17686,7 +17694,7 @@
           <p:cNvPr id="169" name="TextBox 168">
             <a:extLst>
               <a:ext uri="{FF2B5EF4-FFF2-40B4-BE49-F238E27FC236}">
-                <a16:creationId xmlns="" xmlns:a16="http://schemas.microsoft.com/office/drawing/2014/main" id="{F2F7E52C-2A3B-43DD-ADEE-7A7024B5DC9A}"/>
+                <a16:creationId xmlns:a16="http://schemas.microsoft.com/office/drawing/2014/main" xmlns="" id="{F2F7E52C-2A3B-43DD-ADEE-7A7024B5DC9A}"/>
               </a:ext>
             </a:extLst>
           </p:cNvPr>
@@ -17745,7 +17753,7 @@
           <p:cNvPr id="170" name="TextBox 169">
             <a:extLst>
               <a:ext uri="{FF2B5EF4-FFF2-40B4-BE49-F238E27FC236}">
-                <a16:creationId xmlns="" xmlns:a16="http://schemas.microsoft.com/office/drawing/2014/main" id="{FD792991-4B98-4B9A-B0B5-B79015D6643E}"/>
+                <a16:creationId xmlns:a16="http://schemas.microsoft.com/office/drawing/2014/main" xmlns="" id="{FD792991-4B98-4B9A-B0B5-B79015D6643E}"/>
               </a:ext>
             </a:extLst>
           </p:cNvPr>
@@ -17804,7 +17812,7 @@
           <p:cNvPr id="171" name="TextBox 170">
             <a:extLst>
               <a:ext uri="{FF2B5EF4-FFF2-40B4-BE49-F238E27FC236}">
-                <a16:creationId xmlns="" xmlns:a16="http://schemas.microsoft.com/office/drawing/2014/main" id="{A4D7187D-D157-4174-A2D8-F75805A32224}"/>
+                <a16:creationId xmlns:a16="http://schemas.microsoft.com/office/drawing/2014/main" xmlns="" id="{A4D7187D-D157-4174-A2D8-F75805A32224}"/>
               </a:ext>
             </a:extLst>
           </p:cNvPr>
@@ -17863,7 +17871,7 @@
           <p:cNvPr id="172" name="Group 171">
             <a:extLst>
               <a:ext uri="{FF2B5EF4-FFF2-40B4-BE49-F238E27FC236}">
-                <a16:creationId xmlns="" xmlns:a16="http://schemas.microsoft.com/office/drawing/2014/main" id="{939794D7-41FC-4192-9271-B1B0D68DFFE1}"/>
+                <a16:creationId xmlns:a16="http://schemas.microsoft.com/office/drawing/2014/main" xmlns="" id="{939794D7-41FC-4192-9271-B1B0D68DFFE1}"/>
               </a:ext>
             </a:extLst>
           </p:cNvPr>
@@ -17883,7 +17891,7 @@
             <p:cNvPr id="173" name="Rectangle 172">
               <a:extLst>
                 <a:ext uri="{FF2B5EF4-FFF2-40B4-BE49-F238E27FC236}">
-                  <a16:creationId xmlns="" xmlns:a16="http://schemas.microsoft.com/office/drawing/2014/main" id="{E6934719-7A13-454F-94EA-5163DB91245F}"/>
+                  <a16:creationId xmlns:a16="http://schemas.microsoft.com/office/drawing/2014/main" xmlns="" id="{E6934719-7A13-454F-94EA-5163DB91245F}"/>
                 </a:ext>
               </a:extLst>
             </p:cNvPr>
@@ -17927,7 +17935,7 @@
             <p:cNvPr id="174" name="Rectangle 173">
               <a:extLst>
                 <a:ext uri="{FF2B5EF4-FFF2-40B4-BE49-F238E27FC236}">
-                  <a16:creationId xmlns="" xmlns:a16="http://schemas.microsoft.com/office/drawing/2014/main" id="{E37C91B3-95A7-444D-9A6A-E114C52ECD72}"/>
+                  <a16:creationId xmlns:a16="http://schemas.microsoft.com/office/drawing/2014/main" xmlns="" id="{E37C91B3-95A7-444D-9A6A-E114C52ECD72}"/>
                 </a:ext>
               </a:extLst>
             </p:cNvPr>
@@ -17965,7 +17973,7 @@
           <p:cNvPr id="178" name="Group 177">
             <a:extLst>
               <a:ext uri="{FF2B5EF4-FFF2-40B4-BE49-F238E27FC236}">
-                <a16:creationId xmlns="" xmlns:a16="http://schemas.microsoft.com/office/drawing/2014/main" id="{45E4D31E-44B3-4482-A458-27876DA99C42}"/>
+                <a16:creationId xmlns:a16="http://schemas.microsoft.com/office/drawing/2014/main" xmlns="" id="{45E4D31E-44B3-4482-A458-27876DA99C42}"/>
               </a:ext>
             </a:extLst>
           </p:cNvPr>
@@ -17985,7 +17993,7 @@
             <p:cNvPr id="179" name="Rectangle 178">
               <a:extLst>
                 <a:ext uri="{FF2B5EF4-FFF2-40B4-BE49-F238E27FC236}">
-                  <a16:creationId xmlns="" xmlns:a16="http://schemas.microsoft.com/office/drawing/2014/main" id="{0E9FFDEA-B0B7-4050-8FFC-7E7C8A2344B7}"/>
+                  <a16:creationId xmlns:a16="http://schemas.microsoft.com/office/drawing/2014/main" xmlns="" id="{0E9FFDEA-B0B7-4050-8FFC-7E7C8A2344B7}"/>
                 </a:ext>
               </a:extLst>
             </p:cNvPr>
@@ -18029,7 +18037,7 @@
             <p:cNvPr id="180" name="Rectangle 179">
               <a:extLst>
                 <a:ext uri="{FF2B5EF4-FFF2-40B4-BE49-F238E27FC236}">
-                  <a16:creationId xmlns="" xmlns:a16="http://schemas.microsoft.com/office/drawing/2014/main" id="{B12EA50B-36A6-49BE-A5B1-1DAD2E7191D2}"/>
+                  <a16:creationId xmlns:a16="http://schemas.microsoft.com/office/drawing/2014/main" xmlns="" id="{B12EA50B-36A6-49BE-A5B1-1DAD2E7191D2}"/>
                 </a:ext>
               </a:extLst>
             </p:cNvPr>
@@ -18066,7 +18074,7 @@
           <p:cNvPr id="181" name="Group 180">
             <a:extLst>
               <a:ext uri="{FF2B5EF4-FFF2-40B4-BE49-F238E27FC236}">
-                <a16:creationId xmlns="" xmlns:a16="http://schemas.microsoft.com/office/drawing/2014/main" id="{FD955562-37DE-4D27-BE35-29CC00655775}"/>
+                <a16:creationId xmlns:a16="http://schemas.microsoft.com/office/drawing/2014/main" xmlns="" id="{FD955562-37DE-4D27-BE35-29CC00655775}"/>
               </a:ext>
             </a:extLst>
           </p:cNvPr>
@@ -18086,7 +18094,7 @@
             <p:cNvPr id="182" name="Rectangle 181">
               <a:extLst>
                 <a:ext uri="{FF2B5EF4-FFF2-40B4-BE49-F238E27FC236}">
-                  <a16:creationId xmlns="" xmlns:a16="http://schemas.microsoft.com/office/drawing/2014/main" id="{F445AA8F-9A25-4286-99BC-06BFA7ED98F3}"/>
+                  <a16:creationId xmlns:a16="http://schemas.microsoft.com/office/drawing/2014/main" xmlns="" id="{F445AA8F-9A25-4286-99BC-06BFA7ED98F3}"/>
                 </a:ext>
               </a:extLst>
             </p:cNvPr>
@@ -18130,7 +18138,7 @@
             <p:cNvPr id="183" name="Rectangle 182">
               <a:extLst>
                 <a:ext uri="{FF2B5EF4-FFF2-40B4-BE49-F238E27FC236}">
-                  <a16:creationId xmlns="" xmlns:a16="http://schemas.microsoft.com/office/drawing/2014/main" id="{046CCC73-F9C0-4101-9D81-258FBF42CE70}"/>
+                  <a16:creationId xmlns:a16="http://schemas.microsoft.com/office/drawing/2014/main" xmlns="" id="{046CCC73-F9C0-4101-9D81-258FBF42CE70}"/>
                 </a:ext>
               </a:extLst>
             </p:cNvPr>
@@ -18173,7 +18181,7 @@
           <p:cNvPr id="187" name="Group 186">
             <a:extLst>
               <a:ext uri="{FF2B5EF4-FFF2-40B4-BE49-F238E27FC236}">
-                <a16:creationId xmlns="" xmlns:a16="http://schemas.microsoft.com/office/drawing/2014/main" id="{AE5E08EA-104B-4CA6-ACAD-07D3FA5DD9DB}"/>
+                <a16:creationId xmlns:a16="http://schemas.microsoft.com/office/drawing/2014/main" xmlns="" id="{AE5E08EA-104B-4CA6-ACAD-07D3FA5DD9DB}"/>
               </a:ext>
             </a:extLst>
           </p:cNvPr>
@@ -18193,7 +18201,7 @@
             <p:cNvPr id="188" name="Rectangle 187">
               <a:extLst>
                 <a:ext uri="{FF2B5EF4-FFF2-40B4-BE49-F238E27FC236}">
-                  <a16:creationId xmlns="" xmlns:a16="http://schemas.microsoft.com/office/drawing/2014/main" id="{ADE309D6-076B-4034-BF6A-3CB1E4A4E5B8}"/>
+                  <a16:creationId xmlns:a16="http://schemas.microsoft.com/office/drawing/2014/main" xmlns="" id="{ADE309D6-076B-4034-BF6A-3CB1E4A4E5B8}"/>
                 </a:ext>
               </a:extLst>
             </p:cNvPr>
@@ -18238,7 +18246,7 @@
             <p:cNvPr id="189" name="Rectangle 188">
               <a:extLst>
                 <a:ext uri="{FF2B5EF4-FFF2-40B4-BE49-F238E27FC236}">
-                  <a16:creationId xmlns="" xmlns:a16="http://schemas.microsoft.com/office/drawing/2014/main" id="{646892F8-DD19-4BBB-B8B9-85794C952A8E}"/>
+                  <a16:creationId xmlns:a16="http://schemas.microsoft.com/office/drawing/2014/main" xmlns="" id="{646892F8-DD19-4BBB-B8B9-85794C952A8E}"/>
                 </a:ext>
               </a:extLst>
             </p:cNvPr>
@@ -18275,7 +18283,7 @@
           <p:cNvPr id="190" name="Group 189">
             <a:extLst>
               <a:ext uri="{FF2B5EF4-FFF2-40B4-BE49-F238E27FC236}">
-                <a16:creationId xmlns="" xmlns:a16="http://schemas.microsoft.com/office/drawing/2014/main" id="{F94F684E-CA23-4C9C-84BC-5746D7448B27}"/>
+                <a16:creationId xmlns:a16="http://schemas.microsoft.com/office/drawing/2014/main" xmlns="" id="{F94F684E-CA23-4C9C-84BC-5746D7448B27}"/>
               </a:ext>
             </a:extLst>
           </p:cNvPr>
@@ -18295,7 +18303,7 @@
             <p:cNvPr id="191" name="Rectangle 190">
               <a:extLst>
                 <a:ext uri="{FF2B5EF4-FFF2-40B4-BE49-F238E27FC236}">
-                  <a16:creationId xmlns="" xmlns:a16="http://schemas.microsoft.com/office/drawing/2014/main" id="{AC25CC56-36EF-444E-A7A1-50BAE1BCB907}"/>
+                  <a16:creationId xmlns:a16="http://schemas.microsoft.com/office/drawing/2014/main" xmlns="" id="{AC25CC56-36EF-444E-A7A1-50BAE1BCB907}"/>
                 </a:ext>
               </a:extLst>
             </p:cNvPr>
@@ -18335,7 +18343,7 @@
             <p:cNvPr id="192" name="Rectangle 191">
               <a:extLst>
                 <a:ext uri="{FF2B5EF4-FFF2-40B4-BE49-F238E27FC236}">
-                  <a16:creationId xmlns="" xmlns:a16="http://schemas.microsoft.com/office/drawing/2014/main" id="{E4DE6607-41F6-4464-B3F1-E9A4259F661B}"/>
+                  <a16:creationId xmlns:a16="http://schemas.microsoft.com/office/drawing/2014/main" xmlns="" id="{E4DE6607-41F6-4464-B3F1-E9A4259F661B}"/>
                 </a:ext>
               </a:extLst>
             </p:cNvPr>
@@ -18373,7 +18381,7 @@
           <p:cNvPr id="197" name="Oval 196">
             <a:extLst>
               <a:ext uri="{FF2B5EF4-FFF2-40B4-BE49-F238E27FC236}">
-                <a16:creationId xmlns="" xmlns:a16="http://schemas.microsoft.com/office/drawing/2014/main" id="{FF2659E5-4B4D-4915-A406-D0A64EF42D10}"/>
+                <a16:creationId xmlns:a16="http://schemas.microsoft.com/office/drawing/2014/main" xmlns="" id="{FF2659E5-4B4D-4915-A406-D0A64EF42D10}"/>
               </a:ext>
             </a:extLst>
           </p:cNvPr>
@@ -20945,7 +20953,7 @@
           <p:cNvPr id="81" name="Rectangle 80">
             <a:extLst>
               <a:ext uri="{FF2B5EF4-FFF2-40B4-BE49-F238E27FC236}">
-                <a16:creationId xmlns="" xmlns:a16="http://schemas.microsoft.com/office/drawing/2014/main" id="{E37C91B3-95A7-444D-9A6A-E114C52ECD72}"/>
+                <a16:creationId xmlns:a16="http://schemas.microsoft.com/office/drawing/2014/main" xmlns="" id="{E37C91B3-95A7-444D-9A6A-E114C52ECD72}"/>
               </a:ext>
             </a:extLst>
           </p:cNvPr>
@@ -21008,7 +21016,7 @@
           <p:cNvPr id="82" name="Rectangle 81">
             <a:extLst>
               <a:ext uri="{FF2B5EF4-FFF2-40B4-BE49-F238E27FC236}">
-                <a16:creationId xmlns="" xmlns:a16="http://schemas.microsoft.com/office/drawing/2014/main" id="{E37C91B3-95A7-444D-9A6A-E114C52ECD72}"/>
+                <a16:creationId xmlns:a16="http://schemas.microsoft.com/office/drawing/2014/main" xmlns="" id="{E37C91B3-95A7-444D-9A6A-E114C52ECD72}"/>
               </a:ext>
             </a:extLst>
           </p:cNvPr>
@@ -21383,7 +21391,7 @@
           <p:cNvPr id="83" name="Rectangle 82">
             <a:extLst>
               <a:ext uri="{FF2B5EF4-FFF2-40B4-BE49-F238E27FC236}">
-                <a16:creationId xmlns="" xmlns:a16="http://schemas.microsoft.com/office/drawing/2014/main" id="{E37C91B3-95A7-444D-9A6A-E114C52ECD72}"/>
+                <a16:creationId xmlns:a16="http://schemas.microsoft.com/office/drawing/2014/main" xmlns="" id="{E37C91B3-95A7-444D-9A6A-E114C52ECD72}"/>
               </a:ext>
             </a:extLst>
           </p:cNvPr>
@@ -21434,7 +21442,7 @@
           <p:cNvPr id="84" name="Rectangle 83">
             <a:extLst>
               <a:ext uri="{FF2B5EF4-FFF2-40B4-BE49-F238E27FC236}">
-                <a16:creationId xmlns="" xmlns:a16="http://schemas.microsoft.com/office/drawing/2014/main" id="{E37C91B3-95A7-444D-9A6A-E114C52ECD72}"/>
+                <a16:creationId xmlns:a16="http://schemas.microsoft.com/office/drawing/2014/main" xmlns="" id="{E37C91B3-95A7-444D-9A6A-E114C52ECD72}"/>
               </a:ext>
             </a:extLst>
           </p:cNvPr>
@@ -21485,7 +21493,7 @@
           <p:cNvPr id="85" name="Rectangle 84">
             <a:extLst>
               <a:ext uri="{FF2B5EF4-FFF2-40B4-BE49-F238E27FC236}">
-                <a16:creationId xmlns="" xmlns:a16="http://schemas.microsoft.com/office/drawing/2014/main" id="{E37C91B3-95A7-444D-9A6A-E114C52ECD72}"/>
+                <a16:creationId xmlns:a16="http://schemas.microsoft.com/office/drawing/2014/main" xmlns="" id="{E37C91B3-95A7-444D-9A6A-E114C52ECD72}"/>
               </a:ext>
             </a:extLst>
           </p:cNvPr>
